--- a/FirepathPresentation.pptx
+++ b/FirepathPresentation.pptx
@@ -5,7 +5,7 @@
     <p:sldMasterId id="2147483777" r:id="rId1"/>
   </p:sldMasterIdLst>
   <p:notesMasterIdLst>
-    <p:notesMasterId r:id="rId36"/>
+    <p:notesMasterId r:id="rId37"/>
   </p:notesMasterIdLst>
   <p:sldIdLst>
     <p:sldId id="256" r:id="rId2"/>
@@ -42,6 +42,7 @@
     <p:sldId id="276" r:id="rId33"/>
     <p:sldId id="293" r:id="rId34"/>
     <p:sldId id="279" r:id="rId35"/>
+    <p:sldId id="296" r:id="rId36"/>
   </p:sldIdLst>
   <p:sldSz cx="12192000" cy="6858000"/>
   <p:notesSz cx="6858000" cy="9144000"/>
@@ -142,7 +143,7 @@
   </p:defaultTextStyle>
   <p:extLst>
     <p:ext uri="{EFAFB233-063F-42B5-8137-9DF3F51BA10A}">
-      <p15:sldGuideLst xmlns="" xmlns:p15="http://schemas.microsoft.com/office/powerpoint/2012/main"/>
+      <p15:sldGuideLst xmlns:p15="http://schemas.microsoft.com/office/powerpoint/2012/main" xmlns=""/>
     </p:ext>
   </p:extLst>
 </p:presentation>
@@ -5400,7 +5401,7 @@
         <a:p>
           <a:r>
             <a:rPr lang="en-US" dirty="0" smtClean="0"/>
-            <a:t>New </a:t>
+            <a:t>1. New </a:t>
           </a:r>
           <a:r>
             <a:rPr lang="en-US" dirty="0" err="1" smtClean="0"/>
@@ -5445,7 +5446,7 @@
         <a:p>
           <a:r>
             <a:rPr lang="en-US" dirty="0" smtClean="0"/>
-            <a:t>URL</a:t>
+            <a:t>2. URL</a:t>
           </a:r>
           <a:r>
             <a:rPr lang="en-US" baseline="0" dirty="0" smtClean="0"/>
@@ -5489,6 +5490,10 @@
         <a:lstStyle/>
         <a:p>
           <a:r>
+            <a:rPr lang="en-US" dirty="0" smtClean="0"/>
+            <a:t>3. </a:t>
+          </a:r>
+          <a:r>
             <a:rPr lang="en-US" dirty="0" err="1" smtClean="0"/>
             <a:t>Firepath</a:t>
           </a:r>
@@ -5531,7 +5536,7 @@
         <a:p>
           <a:r>
             <a:rPr lang="en-US" dirty="0" smtClean="0"/>
-            <a:t>Process Path</a:t>
+            <a:t>4. Process Path</a:t>
           </a:r>
           <a:endParaRPr lang="en-US" dirty="0"/>
         </a:p>
@@ -5568,7 +5573,7 @@
         <a:p>
           <a:r>
             <a:rPr lang="en-US" dirty="0" smtClean="0"/>
-            <a:t>Create Firebase References</a:t>
+            <a:t>5. Create Firebase References</a:t>
           </a:r>
           <a:endParaRPr lang="en-US" dirty="0"/>
         </a:p>
@@ -5605,7 +5610,7 @@
         <a:p>
           <a:r>
             <a:rPr lang="en-US" dirty="0" smtClean="0"/>
-            <a:t>Firebase Function Calls</a:t>
+            <a:t>6. Firebase Function Calls</a:t>
           </a:r>
           <a:endParaRPr lang="en-US" dirty="0"/>
         </a:p>
@@ -5862,9 +5867,9 @@
     <dgm:cxn modelId="{593C1D0C-FDAF-4C0E-9C51-F4257918456D}" type="presOf" srcId="{4A794E68-29E5-47DC-9E0C-66B4753FA66B}" destId="{581C22AC-3676-4511-9209-9174A12BC64C}" srcOrd="1" destOrd="0" presId="urn:microsoft.com/office/officeart/2005/8/layout/bProcess3"/>
     <dgm:cxn modelId="{9398AF1C-3755-45A5-B11D-DA76277BBD1E}" type="presOf" srcId="{1CCA92E8-2A79-4039-9E02-B577CD4BA5DE}" destId="{F3AEFC86-8CAB-4255-B897-0ADF76102DCE}" srcOrd="0" destOrd="0" presId="urn:microsoft.com/office/officeart/2005/8/layout/bProcess3"/>
     <dgm:cxn modelId="{71A4CBC7-1DB5-4960-A114-CF7D829FE0CB}" type="presOf" srcId="{AE8BC0FA-0DD6-4C55-A7DD-388AFA88C5FD}" destId="{47B1FC83-F3EB-4738-A580-23683F094984}" srcOrd="0" destOrd="0" presId="urn:microsoft.com/office/officeart/2005/8/layout/bProcess3"/>
+    <dgm:cxn modelId="{7E79F58D-A3CE-405D-822B-0DF2C7F62DF9}" type="presOf" srcId="{6102AFCF-77D2-4D9A-8929-1511C560F908}" destId="{C8FF0575-AFA1-41DF-870E-90C73B4244FD}" srcOrd="0" destOrd="0" presId="urn:microsoft.com/office/officeart/2005/8/layout/bProcess3"/>
+    <dgm:cxn modelId="{28872D43-247D-4893-9F1C-42B315696044}" type="presOf" srcId="{4A794E68-29E5-47DC-9E0C-66B4753FA66B}" destId="{CC91C39E-6D1B-4039-8520-7C78B0B9B397}" srcOrd="0" destOrd="0" presId="urn:microsoft.com/office/officeart/2005/8/layout/bProcess3"/>
     <dgm:cxn modelId="{EAED2D2F-3342-4883-8747-14FDA6ECDB78}" srcId="{46A0938D-EADD-46CB-B163-18FC45C21389}" destId="{AE8BC0FA-0DD6-4C55-A7DD-388AFA88C5FD}" srcOrd="2" destOrd="0" parTransId="{029A0D6B-23A2-4CBA-A6DB-1A0732257CC2}" sibTransId="{5BADDBB2-67D4-4E42-9CE8-3206D1A25A15}"/>
-    <dgm:cxn modelId="{28872D43-247D-4893-9F1C-42B315696044}" type="presOf" srcId="{4A794E68-29E5-47DC-9E0C-66B4753FA66B}" destId="{CC91C39E-6D1B-4039-8520-7C78B0B9B397}" srcOrd="0" destOrd="0" presId="urn:microsoft.com/office/officeart/2005/8/layout/bProcess3"/>
-    <dgm:cxn modelId="{7E79F58D-A3CE-405D-822B-0DF2C7F62DF9}" type="presOf" srcId="{6102AFCF-77D2-4D9A-8929-1511C560F908}" destId="{C8FF0575-AFA1-41DF-870E-90C73B4244FD}" srcOrd="0" destOrd="0" presId="urn:microsoft.com/office/officeart/2005/8/layout/bProcess3"/>
     <dgm:cxn modelId="{F4690670-9F45-41F7-8074-D7A5FB26D947}" srcId="{46A0938D-EADD-46CB-B163-18FC45C21389}" destId="{6102AFCF-77D2-4D9A-8929-1511C560F908}" srcOrd="4" destOrd="0" parTransId="{0D8B0330-3ED9-4025-B552-82D10A360D0A}" sibTransId="{4A794E68-29E5-47DC-9E0C-66B4753FA66B}"/>
     <dgm:cxn modelId="{0CFA9786-B98F-42DB-8B7B-DB1E25A9DD75}" type="presOf" srcId="{8D4470B6-9BC0-4266-A155-7BBCF2FB5D59}" destId="{9005247C-BB70-4E73-8733-31D6A4ABBB8F}" srcOrd="1" destOrd="0" presId="urn:microsoft.com/office/officeart/2005/8/layout/bProcess3"/>
     <dgm:cxn modelId="{6ACBFA03-9160-417D-8C0C-1B1024F8F787}" srcId="{46A0938D-EADD-46CB-B163-18FC45C21389}" destId="{7A2F62AB-61D7-4D4B-BC14-CF44B981BD16}" srcOrd="5" destOrd="0" parTransId="{E3C2A860-CF57-4805-A99A-E6EA45E79CE1}" sibTransId="{45CDC230-B7AC-4F88-9E6F-7AD9276E4675}"/>
@@ -5895,7 +5900,7 @@
   <dgm:whole/>
   <dgm:extLst>
     <a:ext uri="http://schemas.microsoft.com/office/drawing/2008/diagram">
-      <dsp:dataModelExt xmlns="" xmlns:dsp="http://schemas.microsoft.com/office/drawing/2008/diagram" relId="rId6" minVer="http://schemas.openxmlformats.org/drawingml/2006/diagram"/>
+      <dsp:dataModelExt xmlns:dsp="http://schemas.microsoft.com/office/drawing/2008/diagram" xmlns="" relId="rId6" minVer="http://schemas.openxmlformats.org/drawingml/2006/diagram"/>
     </a:ext>
   </dgm:extLst>
 </dgm:dataModel>
@@ -5924,7 +5929,7 @@
         <a:p>
           <a:r>
             <a:rPr lang="en-US" dirty="0" smtClean="0"/>
-            <a:t>New </a:t>
+            <a:t>1. New </a:t>
           </a:r>
           <a:r>
             <a:rPr lang="en-US" dirty="0" err="1" smtClean="0"/>
@@ -5969,7 +5974,7 @@
         <a:p>
           <a:r>
             <a:rPr lang="en-US" dirty="0" smtClean="0"/>
-            <a:t>URL</a:t>
+            <a:t>2. URL</a:t>
           </a:r>
           <a:r>
             <a:rPr lang="en-US" baseline="0" dirty="0" smtClean="0"/>
@@ -6010,7 +6015,7 @@
         <a:p>
           <a:r>
             <a:rPr lang="en-US" dirty="0" smtClean="0"/>
-            <a:t>Process Paths</a:t>
+            <a:t>3. Process Paths</a:t>
           </a:r>
           <a:endParaRPr lang="en-US" dirty="0"/>
         </a:p>
@@ -6047,7 +6052,7 @@
         <a:p>
           <a:r>
             <a:rPr lang="en-US" dirty="0" smtClean="0"/>
-            <a:t>Setup Listeners</a:t>
+            <a:t>4. Setup Listeners</a:t>
           </a:r>
           <a:endParaRPr lang="en-US" dirty="0"/>
         </a:p>
@@ -6086,6 +6091,10 @@
         <a:bodyPr/>
         <a:lstStyle/>
         <a:p>
+          <a:r>
+            <a:rPr lang="en-US" dirty="0" smtClean="0"/>
+            <a:t>5. </a:t>
+          </a:r>
           <a:r>
             <a:rPr lang="en-US" dirty="0" err="1" smtClean="0"/>
             <a:t>Firepath</a:t>
@@ -6137,7 +6146,7 @@
         <a:p>
           <a:r>
             <a:rPr lang="en-US" dirty="0" smtClean="0"/>
-            <a:t>Firebase Function Calls</a:t>
+            <a:t>6. Firebase Function Calls</a:t>
           </a:r>
           <a:endParaRPr lang="en-US" dirty="0"/>
         </a:p>
@@ -6427,7 +6436,7 @@
   <dgm:whole/>
   <dgm:extLst>
     <a:ext uri="http://schemas.microsoft.com/office/drawing/2008/diagram">
-      <dsp:dataModelExt xmlns="" xmlns:dsp="http://schemas.microsoft.com/office/drawing/2008/diagram" relId="rId11" minVer="http://schemas.openxmlformats.org/drawingml/2006/diagram"/>
+      <dsp:dataModelExt xmlns:dsp="http://schemas.microsoft.com/office/drawing/2008/diagram" xmlns="" relId="rId11" minVer="http://schemas.openxmlformats.org/drawingml/2006/diagram"/>
     </a:ext>
   </dgm:extLst>
 </dgm:dataModel>
@@ -7808,7 +7817,7 @@
       <dgm:spPr/>
     </dgm:pt>
     <dgm:pt modelId="{BA11CECE-9ED2-40A5-B0A4-B9821B8BDE09}" type="pres">
-      <dgm:prSet presAssocID="{0C6B28F0-3529-44D6-987C-9880097CA3B1}" presName="LevelTwoTextNode" presStyleLbl="node4" presStyleIdx="0" presStyleCnt="9">
+      <dgm:prSet presAssocID="{0C6B28F0-3529-44D6-987C-9880097CA3B1}" presName="LevelTwoTextNode" presStyleLbl="node4" presStyleIdx="0" presStyleCnt="9" custLinFactY="-16875" custLinFactNeighborY="-100000">
         <dgm:presLayoutVars>
           <dgm:chPref val="3"/>
         </dgm:presLayoutVars>
@@ -7898,7 +7907,7 @@
       <dgm:spPr/>
     </dgm:pt>
     <dgm:pt modelId="{F20A7490-F384-46EA-B3CB-ACFE3A78AB90}" type="pres">
-      <dgm:prSet presAssocID="{E136293B-0FFD-4F5E-81FE-F98935EE4AEA}" presName="LevelTwoTextNode" presStyleLbl="node4" presStyleIdx="2" presStyleCnt="9">
+      <dgm:prSet presAssocID="{E136293B-0FFD-4F5E-81FE-F98935EE4AEA}" presName="LevelTwoTextNode" presStyleLbl="node4" presStyleIdx="2" presStyleCnt="9" custLinFactY="-16875" custLinFactNeighborY="-100000">
         <dgm:presLayoutVars>
           <dgm:chPref val="3"/>
         </dgm:presLayoutVars>
@@ -7988,7 +7997,7 @@
       <dgm:spPr/>
     </dgm:pt>
     <dgm:pt modelId="{1BD558F9-7E00-4600-950B-D2516B0C192D}" type="pres">
-      <dgm:prSet presAssocID="{0DCBCCA7-5555-4B9A-9656-4EB86F60DC57}" presName="LevelTwoTextNode" presStyleLbl="node4" presStyleIdx="4" presStyleCnt="9">
+      <dgm:prSet presAssocID="{0DCBCCA7-5555-4B9A-9656-4EB86F60DC57}" presName="LevelTwoTextNode" presStyleLbl="node4" presStyleIdx="4" presStyleCnt="9" custLinFactY="-16875" custLinFactNeighborY="-100000">
         <dgm:presLayoutVars>
           <dgm:chPref val="3"/>
         </dgm:presLayoutVars>
@@ -8078,7 +8087,7 @@
       <dgm:spPr/>
     </dgm:pt>
     <dgm:pt modelId="{5AF3E6D6-6B04-411F-B1F4-AB784E6C9598}" type="pres">
-      <dgm:prSet presAssocID="{5F053D73-C1D8-47FB-959B-EA2A4D904E54}" presName="LevelTwoTextNode" presStyleLbl="node4" presStyleIdx="6" presStyleCnt="9">
+      <dgm:prSet presAssocID="{5F053D73-C1D8-47FB-959B-EA2A4D904E54}" presName="LevelTwoTextNode" presStyleLbl="node4" presStyleIdx="6" presStyleCnt="9" custLinFactY="-16875" custLinFactNeighborY="-100000">
         <dgm:presLayoutVars>
           <dgm:chPref val="3"/>
         </dgm:presLayoutVars>
@@ -8168,7 +8177,7 @@
       <dgm:spPr/>
     </dgm:pt>
     <dgm:pt modelId="{4F1DECC2-806F-472A-9315-4E497A0A5F03}" type="pres">
-      <dgm:prSet presAssocID="{094FDC09-5B71-4AC1-9744-8585F84AAFCE}" presName="LevelTwoTextNode" presStyleLbl="node4" presStyleIdx="8" presStyleCnt="9">
+      <dgm:prSet presAssocID="{094FDC09-5B71-4AC1-9744-8585F84AAFCE}" presName="LevelTwoTextNode" presStyleLbl="node4" presStyleIdx="8" presStyleCnt="9" custLinFactY="-16875" custLinFactNeighborY="-100000">
         <dgm:presLayoutVars>
           <dgm:chPref val="3"/>
         </dgm:presLayoutVars>
@@ -8975,7 +8984,7 @@
   <dgm:whole/>
   <dgm:extLst>
     <a:ext uri="http://schemas.microsoft.com/office/drawing/2008/diagram">
-      <dsp:dataModelExt xmlns="" xmlns:dsp="http://schemas.microsoft.com/office/drawing/2008/diagram" relId="rId6" minVer="http://schemas.openxmlformats.org/drawingml/2006/diagram"/>
+      <dsp:dataModelExt xmlns:dsp="http://schemas.microsoft.com/office/drawing/2008/diagram" xmlns="" relId="rId6" minVer="http://schemas.openxmlformats.org/drawingml/2006/diagram"/>
     </a:ext>
   </dgm:extLst>
 </dgm:dataModel>
@@ -9221,43 +9230,6 @@
       </dgm:t>
     </dgm:pt>
     <dgm:pt modelId="{4B95B4A4-7657-49E0-880B-F4AA34B7BBA6}" type="sibTrans" cxnId="{D59B8D99-2FA5-408D-832B-34DC8BC7B2BE}">
-      <dgm:prSet/>
-      <dgm:spPr/>
-      <dgm:t>
-        <a:bodyPr/>
-        <a:lstStyle/>
-        <a:p>
-          <a:endParaRPr lang="en-US"/>
-        </a:p>
-      </dgm:t>
-    </dgm:pt>
-    <dgm:pt modelId="{15E54721-C94C-4610-B0D6-CB360D634EA1}">
-      <dgm:prSet phldrT="[Text]"/>
-      <dgm:spPr/>
-      <dgm:t>
-        <a:bodyPr/>
-        <a:lstStyle/>
-        <a:p>
-          <a:r>
-            <a:rPr lang="en-US" dirty="0" smtClean="0"/>
-            <a:t>Query Firebase for value of current node (root)</a:t>
-          </a:r>
-          <a:endParaRPr lang="en-US" dirty="0"/>
-        </a:p>
-      </dgm:t>
-    </dgm:pt>
-    <dgm:pt modelId="{F5181357-2F02-45A4-952A-2F0CF0CAF4A6}" type="parTrans" cxnId="{22380CEB-95AB-49AB-BC25-CD8C876D385F}">
-      <dgm:prSet/>
-      <dgm:spPr/>
-      <dgm:t>
-        <a:bodyPr/>
-        <a:lstStyle/>
-        <a:p>
-          <a:endParaRPr lang="en-US"/>
-        </a:p>
-      </dgm:t>
-    </dgm:pt>
-    <dgm:pt modelId="{59BA296C-AA8A-4A32-83A1-C88598CEA342}" type="sibTrans" cxnId="{22380CEB-95AB-49AB-BC25-CD8C876D385F}">
       <dgm:prSet/>
       <dgm:spPr/>
       <dgm:t>
@@ -9821,6 +9793,43 @@
       </dgm:t>
     </dgm:pt>
     <dgm:pt modelId="{93DEF477-E90E-449A-9313-39CFC385E044}" type="sibTrans" cxnId="{7079F8F3-9840-4FCA-B8A4-E1A9F53158ED}">
+      <dgm:prSet/>
+      <dgm:spPr/>
+      <dgm:t>
+        <a:bodyPr/>
+        <a:lstStyle/>
+        <a:p>
+          <a:endParaRPr lang="en-US"/>
+        </a:p>
+      </dgm:t>
+    </dgm:pt>
+    <dgm:pt modelId="{15E54721-C94C-4610-B0D6-CB360D634EA1}">
+      <dgm:prSet phldrT="[Text]"/>
+      <dgm:spPr/>
+      <dgm:t>
+        <a:bodyPr/>
+        <a:lstStyle/>
+        <a:p>
+          <a:r>
+            <a:rPr lang="en-US" dirty="0" smtClean="0"/>
+            <a:t>Query Firebase for value of current node (root)</a:t>
+          </a:r>
+          <a:endParaRPr lang="en-US" dirty="0"/>
+        </a:p>
+      </dgm:t>
+    </dgm:pt>
+    <dgm:pt modelId="{59BA296C-AA8A-4A32-83A1-C88598CEA342}" type="sibTrans" cxnId="{22380CEB-95AB-49AB-BC25-CD8C876D385F}">
+      <dgm:prSet/>
+      <dgm:spPr/>
+      <dgm:t>
+        <a:bodyPr/>
+        <a:lstStyle/>
+        <a:p>
+          <a:endParaRPr lang="en-US"/>
+        </a:p>
+      </dgm:t>
+    </dgm:pt>
+    <dgm:pt modelId="{F5181357-2F02-45A4-952A-2F0CF0CAF4A6}" type="parTrans" cxnId="{22380CEB-95AB-49AB-BC25-CD8C876D385F}">
       <dgm:prSet/>
       <dgm:spPr/>
       <dgm:t>
@@ -10658,7 +10667,7 @@
   <dgm:whole/>
   <dgm:extLst>
     <a:ext uri="http://schemas.microsoft.com/office/drawing/2008/diagram">
-      <dsp:dataModelExt xmlns="" xmlns:dsp="http://schemas.microsoft.com/office/drawing/2008/diagram" relId="rId6" minVer="http://schemas.openxmlformats.org/drawingml/2006/diagram"/>
+      <dsp:dataModelExt xmlns:dsp="http://schemas.microsoft.com/office/drawing/2008/diagram" xmlns="" relId="rId6" minVer="http://schemas.openxmlformats.org/drawingml/2006/diagram"/>
     </a:ext>
   </dgm:extLst>
 </dgm:dataModel>
@@ -21075,7 +21084,7 @@
             <a:fld id="{2933A814-1823-47FB-A659-457B477BE88D}" type="datetimeFigureOut">
               <a:rPr lang="en-US" smtClean="0"/>
               <a:pPr/>
-              <a:t>10/31/2013</a:t>
+              <a:t>11/3/2013</a:t>
             </a:fld>
             <a:endParaRPr lang="en-US"/>
           </a:p>
@@ -21244,7 +21253,7 @@
     </p:spTree>
     <p:extLst>
       <p:ext uri="{BB962C8B-B14F-4D97-AF65-F5344CB8AC3E}">
-        <p14:creationId xmlns="" xmlns:p14="http://schemas.microsoft.com/office/powerpoint/2010/main" val="2927026277"/>
+        <p14:creationId xmlns:p14="http://schemas.microsoft.com/office/powerpoint/2010/main" xmlns="" val="2927026277"/>
       </p:ext>
     </p:extLst>
   </p:cSld>
@@ -21427,7 +21436,7 @@
     </p:spTree>
     <p:extLst>
       <p:ext uri="{BB962C8B-B14F-4D97-AF65-F5344CB8AC3E}">
-        <p14:creationId xmlns="" xmlns:p14="http://schemas.microsoft.com/office/powerpoint/2010/main" val="3457616799"/>
+        <p14:creationId xmlns:p14="http://schemas.microsoft.com/office/powerpoint/2010/main" xmlns="" val="3457616799"/>
       </p:ext>
     </p:extLst>
   </p:cSld>
@@ -21512,7 +21521,7 @@
     </p:spTree>
     <p:extLst>
       <p:ext uri="{BB962C8B-B14F-4D97-AF65-F5344CB8AC3E}">
-        <p14:creationId xmlns="" xmlns:p14="http://schemas.microsoft.com/office/powerpoint/2010/main" val="1988007974"/>
+        <p14:creationId xmlns:p14="http://schemas.microsoft.com/office/powerpoint/2010/main" xmlns="" val="1988007974"/>
       </p:ext>
     </p:extLst>
   </p:cSld>
@@ -22212,7 +22221,7 @@
             <a:fld id="{4AAD347D-5ACD-4C99-B74B-A9C85AD731AF}" type="datetimeFigureOut">
               <a:rPr lang="en-US" smtClean="0"/>
               <a:pPr/>
-              <a:t>10/31/2013</a:t>
+              <a:t>11/3/2013</a:t>
             </a:fld>
             <a:endParaRPr lang="en-US" dirty="0"/>
           </a:p>
@@ -22322,7 +22331,7 @@
     </p:spTree>
     <p:extLst>
       <p:ext uri="{BB962C8B-B14F-4D97-AF65-F5344CB8AC3E}">
-        <p14:creationId xmlns="" xmlns:p14="http://schemas.microsoft.com/office/powerpoint/2010/main" val="2736318606"/>
+        <p14:creationId xmlns:p14="http://schemas.microsoft.com/office/powerpoint/2010/main" xmlns="" val="2736318606"/>
       </p:ext>
     </p:extLst>
   </p:cSld>
@@ -23375,7 +23384,7 @@
             <a:fld id="{4AAD347D-5ACD-4C99-B74B-A9C85AD731AF}" type="datetimeFigureOut">
               <a:rPr lang="en-US" smtClean="0"/>
               <a:pPr/>
-              <a:t>10/31/2013</a:t>
+              <a:t>11/3/2013</a:t>
             </a:fld>
             <a:endParaRPr lang="en-US" dirty="0"/>
           </a:p>
@@ -23463,7 +23472,7 @@
     </p:spTree>
     <p:extLst>
       <p:ext uri="{BB962C8B-B14F-4D97-AF65-F5344CB8AC3E}">
-        <p14:creationId xmlns="" xmlns:p14="http://schemas.microsoft.com/office/powerpoint/2010/main" val="3399050114"/>
+        <p14:creationId xmlns:p14="http://schemas.microsoft.com/office/powerpoint/2010/main" xmlns="" val="3399050114"/>
       </p:ext>
     </p:extLst>
   </p:cSld>
@@ -24432,7 +24441,7 @@
             <a:fld id="{4509A250-FF31-4206-8172-F9D3106AACB1}" type="datetimeFigureOut">
               <a:rPr lang="en-US" smtClean="0"/>
               <a:pPr/>
-              <a:t>10/31/2013</a:t>
+              <a:t>11/3/2013</a:t>
             </a:fld>
             <a:endParaRPr lang="en-US" dirty="0"/>
           </a:p>
@@ -24520,7 +24529,7 @@
     </p:spTree>
     <p:extLst>
       <p:ext uri="{BB962C8B-B14F-4D97-AF65-F5344CB8AC3E}">
-        <p14:creationId xmlns="" xmlns:p14="http://schemas.microsoft.com/office/powerpoint/2010/main" val="1493041586"/>
+        <p14:creationId xmlns:p14="http://schemas.microsoft.com/office/powerpoint/2010/main" xmlns="" val="1493041586"/>
       </p:ext>
     </p:extLst>
   </p:cSld>
@@ -25647,7 +25656,7 @@
             <a:fld id="{4509A250-FF31-4206-8172-F9D3106AACB1}" type="datetimeFigureOut">
               <a:rPr lang="en-US" smtClean="0"/>
               <a:pPr/>
-              <a:t>10/31/2013</a:t>
+              <a:t>11/3/2013</a:t>
             </a:fld>
             <a:endParaRPr lang="en-US" dirty="0"/>
           </a:p>
@@ -25735,7 +25744,7 @@
     </p:spTree>
     <p:extLst>
       <p:ext uri="{BB962C8B-B14F-4D97-AF65-F5344CB8AC3E}">
-        <p14:creationId xmlns="" xmlns:p14="http://schemas.microsoft.com/office/powerpoint/2010/main" val="1606323002"/>
+        <p14:creationId xmlns:p14="http://schemas.microsoft.com/office/powerpoint/2010/main" xmlns="" val="1606323002"/>
       </p:ext>
     </p:extLst>
   </p:cSld>
@@ -26753,7 +26762,7 @@
             <a:fld id="{4509A250-FF31-4206-8172-F9D3106AACB1}" type="datetimeFigureOut">
               <a:rPr lang="en-US" smtClean="0"/>
               <a:pPr/>
-              <a:t>10/31/2013</a:t>
+              <a:t>11/3/2013</a:t>
             </a:fld>
             <a:endParaRPr lang="en-US" dirty="0"/>
           </a:p>
@@ -26841,7 +26850,7 @@
     </p:spTree>
     <p:extLst>
       <p:ext uri="{BB962C8B-B14F-4D97-AF65-F5344CB8AC3E}">
-        <p14:creationId xmlns="" xmlns:p14="http://schemas.microsoft.com/office/powerpoint/2010/main" val="341096600"/>
+        <p14:creationId xmlns:p14="http://schemas.microsoft.com/office/powerpoint/2010/main" xmlns="" val="341096600"/>
       </p:ext>
     </p:extLst>
   </p:cSld>
@@ -27407,7 +27416,7 @@
             <a:fld id="{4AAD347D-5ACD-4C99-B74B-A9C85AD731AF}" type="datetimeFigureOut">
               <a:rPr lang="en-US" smtClean="0"/>
               <a:pPr/>
-              <a:t>10/31/2013</a:t>
+              <a:t>11/3/2013</a:t>
             </a:fld>
             <a:endParaRPr lang="en-US" dirty="0"/>
           </a:p>
@@ -27459,7 +27468,7 @@
     </p:spTree>
     <p:extLst>
       <p:ext uri="{BB962C8B-B14F-4D97-AF65-F5344CB8AC3E}">
-        <p14:creationId xmlns="" xmlns:p14="http://schemas.microsoft.com/office/powerpoint/2010/main" val="4274113996"/>
+        <p14:creationId xmlns:p14="http://schemas.microsoft.com/office/powerpoint/2010/main" xmlns="" val="4274113996"/>
       </p:ext>
     </p:extLst>
   </p:cSld>
@@ -28257,7 +28266,7 @@
             <a:fld id="{4AAD347D-5ACD-4C99-B74B-A9C85AD731AF}" type="datetimeFigureOut">
               <a:rPr lang="en-US" smtClean="0"/>
               <a:pPr/>
-              <a:t>10/31/2013</a:t>
+              <a:t>11/3/2013</a:t>
             </a:fld>
             <a:endParaRPr lang="en-US" dirty="0"/>
           </a:p>
@@ -28309,7 +28318,7 @@
     </p:spTree>
     <p:extLst>
       <p:ext uri="{BB962C8B-B14F-4D97-AF65-F5344CB8AC3E}">
-        <p14:creationId xmlns="" xmlns:p14="http://schemas.microsoft.com/office/powerpoint/2010/main" val="3421935790"/>
+        <p14:creationId xmlns:p14="http://schemas.microsoft.com/office/powerpoint/2010/main" xmlns="" val="3421935790"/>
       </p:ext>
     </p:extLst>
   </p:cSld>
@@ -28445,7 +28454,7 @@
             <a:fld id="{4509A250-FF31-4206-8172-F9D3106AACB1}" type="datetimeFigureOut">
               <a:rPr lang="en-US" smtClean="0"/>
               <a:pPr/>
-              <a:t>10/31/2013</a:t>
+              <a:t>11/3/2013</a:t>
             </a:fld>
             <a:endParaRPr lang="en-US" dirty="0"/>
           </a:p>
@@ -28497,7 +28506,7 @@
     </p:spTree>
     <p:extLst>
       <p:ext uri="{BB962C8B-B14F-4D97-AF65-F5344CB8AC3E}">
-        <p14:creationId xmlns="" xmlns:p14="http://schemas.microsoft.com/office/powerpoint/2010/main" val="1206758448"/>
+        <p14:creationId xmlns:p14="http://schemas.microsoft.com/office/powerpoint/2010/main" xmlns="" val="1206758448"/>
       </p:ext>
     </p:extLst>
   </p:cSld>
@@ -29488,7 +29497,7 @@
             <a:fld id="{4509A250-FF31-4206-8172-F9D3106AACB1}" type="datetimeFigureOut">
               <a:rPr lang="en-US" smtClean="0"/>
               <a:pPr/>
-              <a:t>10/31/2013</a:t>
+              <a:t>11/3/2013</a:t>
             </a:fld>
             <a:endParaRPr lang="en-US" dirty="0"/>
           </a:p>
@@ -29576,7 +29585,7 @@
     </p:spTree>
     <p:extLst>
       <p:ext uri="{BB962C8B-B14F-4D97-AF65-F5344CB8AC3E}">
-        <p14:creationId xmlns="" xmlns:p14="http://schemas.microsoft.com/office/powerpoint/2010/main" val="2794181787"/>
+        <p14:creationId xmlns:p14="http://schemas.microsoft.com/office/powerpoint/2010/main" xmlns="" val="2794181787"/>
       </p:ext>
     </p:extLst>
   </p:cSld>
@@ -29706,7 +29715,7 @@
             <a:fld id="{4509A250-FF31-4206-8172-F9D3106AACB1}" type="datetimeFigureOut">
               <a:rPr lang="en-US" smtClean="0"/>
               <a:pPr/>
-              <a:t>10/31/2013</a:t>
+              <a:t>11/3/2013</a:t>
             </a:fld>
             <a:endParaRPr lang="en-US" dirty="0"/>
           </a:p>
@@ -29758,7 +29767,7 @@
     </p:spTree>
     <p:extLst>
       <p:ext uri="{BB962C8B-B14F-4D97-AF65-F5344CB8AC3E}">
-        <p14:creationId xmlns="" xmlns:p14="http://schemas.microsoft.com/office/powerpoint/2010/main" val="1499864239"/>
+        <p14:creationId xmlns:p14="http://schemas.microsoft.com/office/powerpoint/2010/main" xmlns="" val="1499864239"/>
       </p:ext>
     </p:extLst>
   </p:cSld>
@@ -30813,7 +30822,7 @@
             <a:fld id="{9796027F-7875-4030-9381-8BD8C4F21935}" type="datetimeFigureOut">
               <a:rPr lang="en-US" smtClean="0"/>
               <a:pPr/>
-              <a:t>10/31/2013</a:t>
+              <a:t>11/3/2013</a:t>
             </a:fld>
             <a:endParaRPr lang="en-US" dirty="0"/>
           </a:p>
@@ -30901,7 +30910,7 @@
     </p:spTree>
     <p:extLst>
       <p:ext uri="{BB962C8B-B14F-4D97-AF65-F5344CB8AC3E}">
-        <p14:creationId xmlns="" xmlns:p14="http://schemas.microsoft.com/office/powerpoint/2010/main" val="3875402772"/>
+        <p14:creationId xmlns:p14="http://schemas.microsoft.com/office/powerpoint/2010/main" xmlns="" val="3875402772"/>
       </p:ext>
     </p:extLst>
   </p:cSld>
@@ -31087,7 +31096,7 @@
             <a:fld id="{9796027F-7875-4030-9381-8BD8C4F21935}" type="datetimeFigureOut">
               <a:rPr lang="en-US" smtClean="0"/>
               <a:pPr/>
-              <a:t>10/31/2013</a:t>
+              <a:t>11/3/2013</a:t>
             </a:fld>
             <a:endParaRPr lang="en-US" dirty="0"/>
           </a:p>
@@ -31139,7 +31148,7 @@
     </p:spTree>
     <p:extLst>
       <p:ext uri="{BB962C8B-B14F-4D97-AF65-F5344CB8AC3E}">
-        <p14:creationId xmlns="" xmlns:p14="http://schemas.microsoft.com/office/powerpoint/2010/main" val="2288771006"/>
+        <p14:creationId xmlns:p14="http://schemas.microsoft.com/office/powerpoint/2010/main" xmlns="" val="2288771006"/>
       </p:ext>
     </p:extLst>
   </p:cSld>
@@ -31471,7 +31480,7 @@
             <a:fld id="{9796027F-7875-4030-9381-8BD8C4F21935}" type="datetimeFigureOut">
               <a:rPr lang="en-US" smtClean="0"/>
               <a:pPr/>
-              <a:t>10/31/2013</a:t>
+              <a:t>11/3/2013</a:t>
             </a:fld>
             <a:endParaRPr lang="en-US" dirty="0"/>
           </a:p>
@@ -31523,7 +31532,7 @@
     </p:spTree>
     <p:extLst>
       <p:ext uri="{BB962C8B-B14F-4D97-AF65-F5344CB8AC3E}">
-        <p14:creationId xmlns="" xmlns:p14="http://schemas.microsoft.com/office/powerpoint/2010/main" val="418322473"/>
+        <p14:creationId xmlns:p14="http://schemas.microsoft.com/office/powerpoint/2010/main" xmlns="" val="418322473"/>
       </p:ext>
     </p:extLst>
   </p:cSld>
@@ -31591,7 +31600,7 @@
             <a:fld id="{4509A250-FF31-4206-8172-F9D3106AACB1}" type="datetimeFigureOut">
               <a:rPr lang="en-US" smtClean="0"/>
               <a:pPr/>
-              <a:t>10/31/2013</a:t>
+              <a:t>11/3/2013</a:t>
             </a:fld>
             <a:endParaRPr lang="en-US" dirty="0"/>
           </a:p>
@@ -31643,7 +31652,7 @@
     </p:spTree>
     <p:extLst>
       <p:ext uri="{BB962C8B-B14F-4D97-AF65-F5344CB8AC3E}">
-        <p14:creationId xmlns="" xmlns:p14="http://schemas.microsoft.com/office/powerpoint/2010/main" val="155429409"/>
+        <p14:creationId xmlns:p14="http://schemas.microsoft.com/office/powerpoint/2010/main" xmlns="" val="155429409"/>
       </p:ext>
     </p:extLst>
   </p:cSld>
@@ -31688,7 +31697,7 @@
             <a:fld id="{4509A250-FF31-4206-8172-F9D3106AACB1}" type="datetimeFigureOut">
               <a:rPr lang="en-US" smtClean="0"/>
               <a:pPr/>
-              <a:t>10/31/2013</a:t>
+              <a:t>11/3/2013</a:t>
             </a:fld>
             <a:endParaRPr lang="en-US" dirty="0"/>
           </a:p>
@@ -31776,7 +31785,7 @@
     </p:spTree>
     <p:extLst>
       <p:ext uri="{BB962C8B-B14F-4D97-AF65-F5344CB8AC3E}">
-        <p14:creationId xmlns="" xmlns:p14="http://schemas.microsoft.com/office/powerpoint/2010/main" val="788521649"/>
+        <p14:creationId xmlns:p14="http://schemas.microsoft.com/office/powerpoint/2010/main" xmlns="" val="788521649"/>
       </p:ext>
     </p:extLst>
   </p:cSld>
@@ -32842,7 +32851,7 @@
             <a:fld id="{4509A250-FF31-4206-8172-F9D3106AACB1}" type="datetimeFigureOut">
               <a:rPr lang="en-US" smtClean="0"/>
               <a:pPr/>
-              <a:t>10/31/2013</a:t>
+              <a:t>11/3/2013</a:t>
             </a:fld>
             <a:endParaRPr lang="en-US" dirty="0"/>
           </a:p>
@@ -32930,7 +32939,7 @@
     </p:spTree>
     <p:extLst>
       <p:ext uri="{BB962C8B-B14F-4D97-AF65-F5344CB8AC3E}">
-        <p14:creationId xmlns="" xmlns:p14="http://schemas.microsoft.com/office/powerpoint/2010/main" val="168437196"/>
+        <p14:creationId xmlns:p14="http://schemas.microsoft.com/office/powerpoint/2010/main" xmlns="" val="168437196"/>
       </p:ext>
     </p:extLst>
   </p:cSld>
@@ -34020,7 +34029,7 @@
             <a:fld id="{4509A250-FF31-4206-8172-F9D3106AACB1}" type="datetimeFigureOut">
               <a:rPr lang="en-US" smtClean="0"/>
               <a:pPr/>
-              <a:t>10/31/2013</a:t>
+              <a:t>11/3/2013</a:t>
             </a:fld>
             <a:endParaRPr lang="en-US" dirty="0"/>
           </a:p>
@@ -34108,7 +34117,7 @@
     </p:spTree>
     <p:extLst>
       <p:ext uri="{BB962C8B-B14F-4D97-AF65-F5344CB8AC3E}">
-        <p14:creationId xmlns="" xmlns:p14="http://schemas.microsoft.com/office/powerpoint/2010/main" val="3314009594"/>
+        <p14:creationId xmlns:p14="http://schemas.microsoft.com/office/powerpoint/2010/main" xmlns="" val="3314009594"/>
       </p:ext>
     </p:extLst>
   </p:cSld>
@@ -35128,7 +35137,7 @@
             <a:fld id="{4AAD347D-5ACD-4C99-B74B-A9C85AD731AF}" type="datetimeFigureOut">
               <a:rPr lang="en-US" smtClean="0"/>
               <a:pPr/>
-              <a:t>10/31/2013</a:t>
+              <a:t>11/3/2013</a:t>
             </a:fld>
             <a:endParaRPr lang="en-US" dirty="0"/>
           </a:p>
@@ -35213,7 +35222,7 @@
     </p:spTree>
     <p:extLst>
       <p:ext uri="{BB962C8B-B14F-4D97-AF65-F5344CB8AC3E}">
-        <p14:creationId xmlns="" xmlns:p14="http://schemas.microsoft.com/office/powerpoint/2010/main" val="575655244"/>
+        <p14:creationId xmlns:p14="http://schemas.microsoft.com/office/powerpoint/2010/main" xmlns="" val="575655244"/>
       </p:ext>
     </p:extLst>
   </p:cSld>
@@ -35707,7 +35716,7 @@
     </p:spTree>
     <p:extLst>
       <p:ext uri="{BB962C8B-B14F-4D97-AF65-F5344CB8AC3E}">
-        <p14:creationId xmlns="" xmlns:p14="http://schemas.microsoft.com/office/powerpoint/2010/main" val="4081048667"/>
+        <p14:creationId xmlns:p14="http://schemas.microsoft.com/office/powerpoint/2010/main" xmlns="" val="4081048667"/>
       </p:ext>
     </p:extLst>
   </p:cSld>
@@ -35804,8 +35813,8 @@
         </p:nvSpPr>
         <p:spPr>
           <a:xfrm>
-            <a:off x="1154954" y="3971489"/>
-            <a:ext cx="4825158" cy="2886511"/>
+            <a:off x="1154954" y="3971490"/>
+            <a:ext cx="4825158" cy="2106037"/>
           </a:xfrm>
         </p:spPr>
         <p:txBody>
@@ -35835,16 +35844,6 @@
           </a:p>
           <a:p>
             <a:r>
-              <a:rPr lang="en-US" dirty="0"/>
-              <a:t>l</a:t>
-            </a:r>
-            <a:r>
-              <a:rPr lang="en-US" dirty="0" smtClean="0"/>
-              <a:t>imit()</a:t>
-            </a:r>
-          </a:p>
-          <a:p>
-            <a:r>
               <a:rPr lang="en-US" dirty="0" err="1" smtClean="0"/>
               <a:t>startAt</a:t>
             </a:r>
@@ -35862,6 +35861,14 @@
               <a:rPr lang="en-US" dirty="0" smtClean="0"/>
               <a:t>()</a:t>
             </a:r>
+          </a:p>
+          <a:p>
+            <a:r>
+              <a:rPr lang="en-US" dirty="0" smtClean="0"/>
+              <a:t>limit()</a:t>
+            </a:r>
+          </a:p>
+          <a:p>
             <a:endParaRPr lang="en-US" dirty="0"/>
           </a:p>
         </p:txBody>
@@ -36163,10 +36170,34 @@
           </a:p>
         </p:txBody>
       </p:sp>
+      <p:pic>
+        <p:nvPicPr>
+          <p:cNvPr id="7" name="Picture 6" descr="funcs25.png"/>
+          <p:cNvPicPr>
+            <a:picLocks noChangeAspect="1"/>
+          </p:cNvPicPr>
+          <p:nvPr/>
+        </p:nvPicPr>
+        <p:blipFill>
+          <a:blip r:embed="rId2"/>
+          <a:stretch>
+            <a:fillRect/>
+          </a:stretch>
+        </p:blipFill>
+        <p:spPr>
+          <a:xfrm>
+            <a:off x="4918871" y="3948428"/>
+            <a:ext cx="6497274" cy="2125502"/>
+          </a:xfrm>
+          <a:prstGeom prst="rect">
+            <a:avLst/>
+          </a:prstGeom>
+        </p:spPr>
+      </p:pic>
     </p:spTree>
     <p:extLst>
       <p:ext uri="{BB962C8B-B14F-4D97-AF65-F5344CB8AC3E}">
-        <p14:creationId xmlns="" xmlns:p14="http://schemas.microsoft.com/office/powerpoint/2010/main" val="1754253139"/>
+        <p14:creationId xmlns:p14="http://schemas.microsoft.com/office/powerpoint/2010/main" xmlns="" val="1754253139"/>
       </p:ext>
     </p:extLst>
   </p:cSld>
@@ -36268,7 +36299,7 @@
           <a:blip r:embed="rId2">
             <a:extLst>
               <a:ext uri="{28A0092B-C50C-407E-A947-70E740481C1C}">
-                <a14:useLocalDpi xmlns="" xmlns:a14="http://schemas.microsoft.com/office/drawing/2010/main" val="0"/>
+                <a14:useLocalDpi xmlns:a14="http://schemas.microsoft.com/office/drawing/2010/main" xmlns="" val="0"/>
               </a:ext>
             </a:extLst>
           </a:blip>
@@ -36286,7 +36317,7 @@
     </p:spTree>
     <p:extLst>
       <p:ext uri="{BB962C8B-B14F-4D97-AF65-F5344CB8AC3E}">
-        <p14:creationId xmlns="" xmlns:p14="http://schemas.microsoft.com/office/powerpoint/2010/main" val="2946845929"/>
+        <p14:creationId xmlns:p14="http://schemas.microsoft.com/office/powerpoint/2010/main" xmlns="" val="2946845929"/>
       </p:ext>
     </p:extLst>
   </p:cSld>
@@ -36511,7 +36542,7 @@
     </p:spTree>
     <p:extLst>
       <p:ext uri="{BB962C8B-B14F-4D97-AF65-F5344CB8AC3E}">
-        <p14:creationId xmlns="" xmlns:p14="http://schemas.microsoft.com/office/powerpoint/2010/main" val="2103377848"/>
+        <p14:creationId xmlns:p14="http://schemas.microsoft.com/office/powerpoint/2010/main" xmlns="" val="2103377848"/>
       </p:ext>
     </p:extLst>
   </p:cSld>
@@ -38025,7 +38056,7 @@
     </p:spTree>
     <p:extLst>
       <p:ext uri="{BB962C8B-B14F-4D97-AF65-F5344CB8AC3E}">
-        <p14:creationId xmlns="" xmlns:p14="http://schemas.microsoft.com/office/powerpoint/2010/main" val="2408484728"/>
+        <p14:creationId xmlns:p14="http://schemas.microsoft.com/office/powerpoint/2010/main" xmlns="" val="2408484728"/>
       </p:ext>
     </p:extLst>
   </p:cSld>
@@ -38196,7 +38227,7 @@
     </p:spTree>
     <p:extLst>
       <p:ext uri="{BB962C8B-B14F-4D97-AF65-F5344CB8AC3E}">
-        <p14:creationId xmlns="" xmlns:p14="http://schemas.microsoft.com/office/powerpoint/2010/main" val="4069813939"/>
+        <p14:creationId xmlns:p14="http://schemas.microsoft.com/office/powerpoint/2010/main" xmlns="" val="4069813939"/>
       </p:ext>
     </p:extLst>
   </p:cSld>
@@ -38502,7 +38533,7 @@
             <p:ph sz="half" idx="2"/>
             <p:extLst>
               <p:ext uri="{D42A27DB-BD31-4B8C-83A1-F6EECF244321}">
-                <p14:modId xmlns="" xmlns:p14="http://schemas.microsoft.com/office/powerpoint/2010/main" val="198508603"/>
+                <p14:modId xmlns:p14="http://schemas.microsoft.com/office/powerpoint/2010/main" xmlns="" val="198508603"/>
               </p:ext>
             </p:extLst>
           </p:nvPr>
@@ -38527,7 +38558,7 @@
             <p:ph sz="quarter" idx="4"/>
             <p:extLst>
               <p:ext uri="{D42A27DB-BD31-4B8C-83A1-F6EECF244321}">
-                <p14:modId xmlns="" xmlns:p14="http://schemas.microsoft.com/office/powerpoint/2010/main" val="957515295"/>
+                <p14:modId xmlns:p14="http://schemas.microsoft.com/office/powerpoint/2010/main" xmlns="" val="957515295"/>
               </p:ext>
             </p:extLst>
           </p:nvPr>
@@ -38575,7 +38606,7 @@
     </p:spTree>
     <p:extLst>
       <p:ext uri="{BB962C8B-B14F-4D97-AF65-F5344CB8AC3E}">
-        <p14:creationId xmlns="" xmlns:p14="http://schemas.microsoft.com/office/powerpoint/2010/main" val="3034413825"/>
+        <p14:creationId xmlns:p14="http://schemas.microsoft.com/office/powerpoint/2010/main" xmlns="" val="3034413825"/>
       </p:ext>
     </p:extLst>
   </p:cSld>
@@ -38727,7 +38758,7 @@
     </p:spTree>
     <p:extLst>
       <p:ext uri="{BB962C8B-B14F-4D97-AF65-F5344CB8AC3E}">
-        <p14:creationId xmlns="" xmlns:p14="http://schemas.microsoft.com/office/powerpoint/2010/main" val="3784989155"/>
+        <p14:creationId xmlns:p14="http://schemas.microsoft.com/office/powerpoint/2010/main" xmlns="" val="3784989155"/>
       </p:ext>
     </p:extLst>
   </p:cSld>
@@ -38882,7 +38913,7 @@
     </p:spTree>
     <p:extLst>
       <p:ext uri="{BB962C8B-B14F-4D97-AF65-F5344CB8AC3E}">
-        <p14:creationId xmlns="" xmlns:p14="http://schemas.microsoft.com/office/powerpoint/2010/main" val="1635384038"/>
+        <p14:creationId xmlns:p14="http://schemas.microsoft.com/office/powerpoint/2010/main" xmlns="" val="1635384038"/>
       </p:ext>
     </p:extLst>
   </p:cSld>
@@ -38984,10 +39015,84 @@
           </a:ln>
         </p:spPr>
       </p:pic>
+      <p:sp>
+        <p:nvSpPr>
+          <p:cNvPr id="6" name="Text Placeholder 8"/>
+          <p:cNvSpPr txBox="1">
+            <a:spLocks/>
+          </p:cNvSpPr>
+          <p:nvPr/>
+        </p:nvSpPr>
+        <p:spPr>
+          <a:xfrm>
+            <a:off x="251791" y="6110581"/>
+            <a:ext cx="8959281" cy="469124"/>
+          </a:xfrm>
+          <a:prstGeom prst="rect">
+            <a:avLst/>
+          </a:prstGeom>
+        </p:spPr>
+        <p:txBody>
+          <a:bodyPr vert="horz" lIns="91440" tIns="45720" rIns="91440" bIns="45720" rtlCol="0">
+            <a:normAutofit/>
+          </a:bodyPr>
+          <a:lstStyle/>
+          <a:p>
+            <a:pPr marL="342900" marR="0" lvl="0" indent="-342900" algn="l" defTabSz="457200" rtl="0" eaLnBrk="1" fontAlgn="auto" latinLnBrk="0" hangingPunct="1">
+              <a:lnSpc>
+                <a:spcPct val="100000"/>
+              </a:lnSpc>
+              <a:spcBef>
+                <a:spcPts val="1000"/>
+              </a:spcBef>
+              <a:spcAft>
+                <a:spcPts val="0"/>
+              </a:spcAft>
+              <a:buClr>
+                <a:schemeClr val="accent1"/>
+              </a:buClr>
+              <a:buSzPct val="80000"/>
+              <a:tabLst/>
+              <a:defRPr/>
+            </a:pPr>
+            <a:r>
+              <a:rPr kumimoji="0" lang="en-US" sz="2000" b="1" i="0" u="none" strike="noStrike" kern="1200" cap="none" spc="0" normalizeH="0" baseline="0" noProof="0" dirty="0" smtClean="0">
+                <a:ln>
+                  <a:noFill/>
+                </a:ln>
+                <a:solidFill>
+                  <a:schemeClr val="accent1"/>
+                </a:solidFill>
+                <a:effectLst/>
+                <a:uLnTx/>
+                <a:uFillTx/>
+                <a:latin typeface="+mn-lt"/>
+                <a:ea typeface="+mn-ea"/>
+                <a:cs typeface="+mn-cs"/>
+              </a:rPr>
+              <a:t>https://firepath-fb.firebaseIO.com/*/b1[c2=1 and c1/d1='blah']//d1</a:t>
+            </a:r>
+            <a:endParaRPr kumimoji="0" lang="en-US" sz="2000" b="1" i="0" u="none" strike="noStrike" kern="1200" cap="none" spc="0" normalizeH="0" baseline="0" noProof="0" dirty="0">
+              <a:ln>
+                <a:noFill/>
+              </a:ln>
+              <a:solidFill>
+                <a:schemeClr val="accent1"/>
+              </a:solidFill>
+              <a:effectLst/>
+              <a:uLnTx/>
+              <a:uFillTx/>
+              <a:latin typeface="+mn-lt"/>
+              <a:ea typeface="+mn-ea"/>
+              <a:cs typeface="+mn-cs"/>
+            </a:endParaRPr>
+          </a:p>
+        </p:txBody>
+      </p:sp>
     </p:spTree>
     <p:extLst>
       <p:ext uri="{BB962C8B-B14F-4D97-AF65-F5344CB8AC3E}">
-        <p14:creationId xmlns="" xmlns:p14="http://schemas.microsoft.com/office/powerpoint/2010/main" val="1635384038"/>
+        <p14:creationId xmlns:p14="http://schemas.microsoft.com/office/powerpoint/2010/main" xmlns="" val="1635384038"/>
       </p:ext>
     </p:extLst>
   </p:cSld>
@@ -39072,7 +39177,7 @@
             </a:pPr>
             <a:r>
               <a:rPr lang="en-US" dirty="0" smtClean="0"/>
-              <a:t>Overview</a:t>
+              <a:t>Introduction</a:t>
             </a:r>
           </a:p>
           <a:p>
@@ -39255,7 +39360,7 @@
             </a:pPr>
             <a:r>
               <a:rPr lang="en-US" dirty="0" smtClean="0"/>
-              <a:t>No Transactions?</a:t>
+              <a:t>No Transactions</a:t>
             </a:r>
           </a:p>
           <a:p>
@@ -39265,7 +39370,7 @@
             </a:pPr>
             <a:r>
               <a:rPr lang="en-US" dirty="0" smtClean="0"/>
-              <a:t>Discussions</a:t>
+              <a:t>Is it worth it?</a:t>
             </a:r>
           </a:p>
           <a:p>
@@ -39290,7 +39395,7 @@
     </p:spTree>
     <p:extLst>
       <p:ext uri="{BB962C8B-B14F-4D97-AF65-F5344CB8AC3E}">
-        <p14:creationId xmlns="" xmlns:p14="http://schemas.microsoft.com/office/powerpoint/2010/main" val="3379353471"/>
+        <p14:creationId xmlns:p14="http://schemas.microsoft.com/office/powerpoint/2010/main" xmlns="" val="3379353471"/>
       </p:ext>
     </p:extLst>
   </p:cSld>
@@ -39360,7 +39465,7 @@
           <p:nvPr>
             <p:extLst>
               <p:ext uri="{D42A27DB-BD31-4B8C-83A1-F6EECF244321}">
-                <p14:modId xmlns="" xmlns:p14="http://schemas.microsoft.com/office/powerpoint/2010/main" val="2133284659"/>
+                <p14:modId xmlns:p14="http://schemas.microsoft.com/office/powerpoint/2010/main" xmlns="" val="2133284659"/>
               </p:ext>
             </p:extLst>
           </p:nvPr>
@@ -39378,7 +39483,7 @@
     </p:spTree>
     <p:extLst>
       <p:ext uri="{BB962C8B-B14F-4D97-AF65-F5344CB8AC3E}">
-        <p14:creationId xmlns="" xmlns:p14="http://schemas.microsoft.com/office/powerpoint/2010/main" val="3623235587"/>
+        <p14:creationId xmlns:p14="http://schemas.microsoft.com/office/powerpoint/2010/main" xmlns="" val="3623235587"/>
       </p:ext>
     </p:extLst>
   </p:cSld>
@@ -39574,7 +39679,7 @@
           <a:blip r:embed="rId2">
             <a:extLst>
               <a:ext uri="{28A0092B-C50C-407E-A947-70E740481C1C}">
-                <a14:useLocalDpi xmlns="" xmlns:a14="http://schemas.microsoft.com/office/drawing/2010/main" val="0"/>
+                <a14:useLocalDpi xmlns:a14="http://schemas.microsoft.com/office/drawing/2010/main" xmlns="" val="0"/>
               </a:ext>
             </a:extLst>
           </a:blip>
@@ -40100,7 +40205,7 @@
             <a:pPr lvl="1"/>
             <a:r>
               <a:rPr lang="en-US" dirty="0" smtClean="0"/>
-              <a:t>Gets slower the deeper the tree (width doesn’t really affect much</a:t>
+              <a:t>Gets slower the deeper the tree (width doesn’t really affect much)</a:t>
             </a:r>
           </a:p>
           <a:p>
@@ -40173,7 +40278,7 @@
           <p:nvPr>
             <p:extLst>
               <p:ext uri="{D42A27DB-BD31-4B8C-83A1-F6EECF244321}">
-                <p14:modId xmlns="" xmlns:p14="http://schemas.microsoft.com/office/powerpoint/2010/main" val="3528858898"/>
+                <p14:modId xmlns:p14="http://schemas.microsoft.com/office/powerpoint/2010/main" xmlns="" val="3528858898"/>
               </p:ext>
             </p:extLst>
           </p:nvPr>
@@ -40191,7 +40296,7 @@
     </p:spTree>
     <p:extLst>
       <p:ext uri="{BB962C8B-B14F-4D97-AF65-F5344CB8AC3E}">
-        <p14:creationId xmlns="" xmlns:p14="http://schemas.microsoft.com/office/powerpoint/2010/main" val="3432056841"/>
+        <p14:creationId xmlns:p14="http://schemas.microsoft.com/office/powerpoint/2010/main" xmlns="" val="3432056841"/>
       </p:ext>
     </p:extLst>
   </p:cSld>
@@ -40414,7 +40519,15 @@
             </a:r>
             <a:r>
               <a:rPr lang="en-US" dirty="0" smtClean="0"/>
-              <a:t> Sections, but each section keeps track of it’s parent section as well as all child sections it has.</a:t>
+              <a:t> Sections, but each section keeps track of </a:t>
+            </a:r>
+            <a:r>
+              <a:rPr lang="en-US" dirty="0" smtClean="0"/>
+              <a:t>its </a:t>
+            </a:r>
+            <a:r>
+              <a:rPr lang="en-US" dirty="0" smtClean="0"/>
+              <a:t>parent section as well as all child sections it has.</a:t>
             </a:r>
           </a:p>
           <a:p>
@@ -40515,10 +40628,10 @@
           <a:lstStyle/>
           <a:p>
             <a:r>
-              <a:rPr lang="en-US" sz="2000" dirty="0" smtClean="0"/>
-              <a:t>https://firepath-fb.firebaseIO.com/*/b1[c2=1 and c1/d1=\'blah\']//d1</a:t>
+              <a:rPr lang="en-US" sz="2000" b="1" dirty="0" smtClean="0"/>
+              <a:t>https://firepath-fb.firebaseIO.com/*/b1[c2=1 and c1/d1='blah']//d1</a:t>
             </a:r>
-            <a:endParaRPr lang="en-US" sz="2000" dirty="0"/>
+            <a:endParaRPr lang="en-US" sz="2000" b="1" dirty="0"/>
           </a:p>
         </p:txBody>
       </p:sp>
@@ -40685,7 +40798,7 @@
     </p:spTree>
     <p:extLst>
       <p:ext uri="{BB962C8B-B14F-4D97-AF65-F5344CB8AC3E}">
-        <p14:creationId xmlns="" xmlns:p14="http://schemas.microsoft.com/office/powerpoint/2010/main" val="2155380411"/>
+        <p14:creationId xmlns:p14="http://schemas.microsoft.com/office/powerpoint/2010/main" xmlns="" val="2155380411"/>
       </p:ext>
     </p:extLst>
   </p:cSld>
@@ -41061,7 +41174,7 @@
           <a:p>
             <a:r>
               <a:rPr lang="en-US" dirty="0" smtClean="0"/>
-              <a:t>No Transactions?</a:t>
+              <a:t>No Transactions</a:t>
             </a:r>
             <a:endParaRPr lang="en-US" dirty="0"/>
           </a:p>
@@ -41083,24 +41196,47 @@
           <a:lstStyle/>
           <a:p>
             <a:r>
+              <a:rPr lang="en-US" dirty="0" smtClean="0"/>
+              <a:t>Being unable to perform atomic transactions using </a:t>
+            </a:r>
+            <a:r>
+              <a:rPr lang="en-US" dirty="0" err="1" smtClean="0"/>
+              <a:t>Firepath</a:t>
+            </a:r>
+            <a:r>
+              <a:rPr lang="en-US" dirty="0" smtClean="0"/>
+              <a:t> is a large disadvantage</a:t>
+            </a:r>
+          </a:p>
+          <a:p>
+            <a:r>
+              <a:rPr lang="en-US" dirty="0" smtClean="0"/>
+              <a:t>Several reasons transactions were not implemented</a:t>
+            </a:r>
+          </a:p>
+          <a:p>
+            <a:pPr lvl="1"/>
+            <a:r>
+              <a:rPr lang="en-US" dirty="0" smtClean="0"/>
+              <a:t>Rule complexity – the complex rules can not be checked in a transaction without making the locations of the transaction check prohibitively large</a:t>
+            </a:r>
+          </a:p>
+          <a:p>
+            <a:pPr lvl="1"/>
+            <a:r>
               <a:rPr lang="en-US" dirty="0" err="1" smtClean="0"/>
               <a:t>Javascript</a:t>
             </a:r>
             <a:r>
               <a:rPr lang="en-US" dirty="0" smtClean="0"/>
-              <a:t> 1.7 yield</a:t>
+              <a:t> 1.7 yield – version 1.7 added the ability to yield and wait for an asynchronous call to finish.</a:t>
             </a:r>
           </a:p>
           <a:p>
+            <a:pPr lvl="1"/>
             <a:r>
               <a:rPr lang="en-US" dirty="0" smtClean="0"/>
-              <a:t>No Atomic changes</a:t>
-            </a:r>
-          </a:p>
-          <a:p>
-            <a:r>
-              <a:rPr lang="en-US" dirty="0" smtClean="0"/>
-              <a:t>Firebase transaction timeout?</a:t>
+              <a:t>Firebase transaction timeouts – transactions appear to timeout and fail on the Firebase backend.</a:t>
             </a:r>
           </a:p>
         </p:txBody>
@@ -41108,7 +41244,7 @@
     </p:spTree>
     <p:extLst>
       <p:ext uri="{BB962C8B-B14F-4D97-AF65-F5344CB8AC3E}">
-        <p14:creationId xmlns="" xmlns:p14="http://schemas.microsoft.com/office/powerpoint/2010/main" val="2883428135"/>
+        <p14:creationId xmlns:p14="http://schemas.microsoft.com/office/powerpoint/2010/main" xmlns="" val="2883428135"/>
       </p:ext>
     </p:extLst>
   </p:cSld>
@@ -41159,7 +41295,7 @@
           <a:p>
             <a:r>
               <a:rPr lang="en-US" dirty="0" smtClean="0"/>
-              <a:t>Discussion</a:t>
+              <a:t>So is it worth it?</a:t>
             </a:r>
             <a:endParaRPr lang="en-US" dirty="0"/>
           </a:p>
@@ -41167,27 +41303,101 @@
       </p:sp>
       <p:sp>
         <p:nvSpPr>
-          <p:cNvPr id="7" name="Content Placeholder 6"/>
+          <p:cNvPr id="4" name="Text Placeholder 3"/>
           <p:cNvSpPr>
             <a:spLocks noGrp="1"/>
           </p:cNvSpPr>
           <p:nvPr>
-            <p:ph idx="1"/>
+            <p:ph type="body" idx="1"/>
           </p:nvPr>
         </p:nvSpPr>
-        <p:spPr/>
+        <p:spPr>
+          <a:xfrm>
+            <a:off x="1154954" y="2636063"/>
+            <a:ext cx="9974864" cy="576262"/>
+          </a:xfrm>
+        </p:spPr>
         <p:txBody>
           <a:bodyPr/>
           <a:lstStyle/>
           <a:p>
+            <a:r>
+              <a:rPr lang="en-US" dirty="0" smtClean="0"/>
+              <a:t>It depends on the situation!</a:t>
+            </a:r>
             <a:endParaRPr lang="en-US" dirty="0"/>
+          </a:p>
+        </p:txBody>
+      </p:sp>
+      <p:sp>
+        <p:nvSpPr>
+          <p:cNvPr id="5" name="Content Placeholder 4"/>
+          <p:cNvSpPr>
+            <a:spLocks noGrp="1"/>
+          </p:cNvSpPr>
+          <p:nvPr>
+            <p:ph sz="half" idx="2"/>
+          </p:nvPr>
+        </p:nvSpPr>
+        <p:spPr>
+          <a:xfrm>
+            <a:off x="1154954" y="3212325"/>
+            <a:ext cx="9974864" cy="3049929"/>
+          </a:xfrm>
+        </p:spPr>
+        <p:txBody>
+          <a:bodyPr>
+            <a:normAutofit/>
+          </a:bodyPr>
+          <a:lstStyle/>
+          <a:p>
+            <a:r>
+              <a:rPr lang="en-US" dirty="0" err="1" smtClean="0"/>
+              <a:t>Firepath</a:t>
+            </a:r>
+            <a:r>
+              <a:rPr lang="en-US" dirty="0" smtClean="0"/>
+              <a:t> querying is a useful abstraction for querying in Firebase in certain situations</a:t>
+            </a:r>
+          </a:p>
+          <a:p>
+            <a:r>
+              <a:rPr lang="en-US" dirty="0" smtClean="0"/>
+              <a:t>Understanding the limitations and costs is very important</a:t>
+            </a:r>
+          </a:p>
+          <a:p>
+            <a:r>
+              <a:rPr lang="en-US" dirty="0" smtClean="0"/>
+              <a:t>Thought needs to be put into whether or not querying is actually necessary for the application to be successful</a:t>
+            </a:r>
+          </a:p>
+          <a:p>
+            <a:pPr lvl="1"/>
+            <a:r>
+              <a:rPr lang="en-US" dirty="0" smtClean="0"/>
+              <a:t>Can data be structured in a way to make querying unnecessary?</a:t>
+            </a:r>
+          </a:p>
+          <a:p>
+            <a:pPr lvl="1"/>
+            <a:r>
+              <a:rPr lang="en-US" dirty="0" smtClean="0"/>
+              <a:t>Can the built in range querying (faster) be used to perform the same tasks?</a:t>
+            </a:r>
+          </a:p>
+          <a:p>
+            <a:r>
+              <a:rPr lang="en-US" dirty="0" smtClean="0"/>
+              <a:t>Querying is ultimately a very useful tool in any database, but often applications can be developed in a way that do not require it</a:t>
+            </a:r>
           </a:p>
         </p:txBody>
       </p:sp>
     </p:spTree>
     <p:extLst>
       <p:ext uri="{BB962C8B-B14F-4D97-AF65-F5344CB8AC3E}">
-        <p14:creationId xmlns="" xmlns:p14="http://schemas.microsoft.com/office/powerpoint/2010/main" val="2883428135"/>
+        <p14:creationId xmlns:p14="http://schemas.microsoft.com/office/powerpoint/2010/main" xmlns="" val="2883428135"/>
       </p:ext>
     </p:extLst>
   </p:cSld>
@@ -41259,14 +41469,169 @@
           <a:bodyPr/>
           <a:lstStyle/>
           <a:p>
-            <a:endParaRPr lang="en-US"/>
+            <a:r>
+              <a:rPr lang="en-US" dirty="0" smtClean="0"/>
+              <a:t>Extended </a:t>
+            </a:r>
+            <a:r>
+              <a:rPr lang="en-US" dirty="0" err="1" smtClean="0"/>
+              <a:t>Xpath</a:t>
+            </a:r>
+            <a:r>
+              <a:rPr lang="en-US" dirty="0" smtClean="0"/>
+              <a:t> support</a:t>
+            </a:r>
+          </a:p>
+          <a:p>
+            <a:r>
+              <a:rPr lang="en-US" dirty="0" smtClean="0"/>
+              <a:t>Backend Processing</a:t>
+            </a:r>
+          </a:p>
+          <a:p>
+            <a:pPr lvl="1"/>
+            <a:r>
+              <a:rPr lang="en-US" dirty="0" smtClean="0"/>
+              <a:t>Takes away size concerns and lowers overhead costs on user</a:t>
+            </a:r>
+          </a:p>
+          <a:p>
+            <a:pPr lvl="1"/>
+            <a:r>
+              <a:rPr lang="en-US" dirty="0" smtClean="0"/>
+              <a:t>Would allow for atomic transactions</a:t>
+            </a:r>
+          </a:p>
+          <a:p>
+            <a:r>
+              <a:rPr lang="en-US" dirty="0" smtClean="0"/>
+              <a:t>Predefined Indexes</a:t>
+            </a:r>
+          </a:p>
+          <a:p>
+            <a:pPr lvl="1"/>
+            <a:r>
+              <a:rPr lang="en-US" dirty="0" smtClean="0"/>
+              <a:t>User would define an index that would be stored and maintained on the Firebase servers</a:t>
+            </a:r>
+          </a:p>
+          <a:p>
+            <a:pPr lvl="1"/>
+            <a:r>
+              <a:rPr lang="en-US" dirty="0" smtClean="0"/>
+              <a:t>Querying indexes similar to the range querying already implemented</a:t>
+            </a:r>
+            <a:endParaRPr lang="en-US" dirty="0"/>
           </a:p>
         </p:txBody>
       </p:sp>
     </p:spTree>
     <p:extLst>
       <p:ext uri="{BB962C8B-B14F-4D97-AF65-F5344CB8AC3E}">
-        <p14:creationId xmlns="" xmlns:p14="http://schemas.microsoft.com/office/powerpoint/2010/main" val="2405614274"/>
+        <p14:creationId xmlns:p14="http://schemas.microsoft.com/office/powerpoint/2010/main" xmlns="" val="2405614274"/>
+      </p:ext>
+    </p:extLst>
+  </p:cSld>
+  <p:clrMapOvr>
+    <a:masterClrMapping/>
+  </p:clrMapOvr>
+  <p:timing>
+    <p:tnLst>
+      <p:par>
+        <p:cTn id="1" dur="indefinite" restart="never" nodeType="tmRoot"/>
+      </p:par>
+    </p:tnLst>
+  </p:timing>
+</p:sld>
+</file>
+
+<file path=ppt/slides/slide35.xml><?xml version="1.0" encoding="utf-8"?>
+<p:sld xmlns:a="http://schemas.openxmlformats.org/drawingml/2006/main" xmlns:r="http://schemas.openxmlformats.org/officeDocument/2006/relationships" xmlns:p="http://schemas.openxmlformats.org/presentationml/2006/main">
+  <p:cSld>
+    <p:spTree>
+      <p:nvGrpSpPr>
+        <p:cNvPr id="1" name=""/>
+        <p:cNvGrpSpPr/>
+        <p:nvPr/>
+      </p:nvGrpSpPr>
+      <p:grpSpPr>
+        <a:xfrm>
+          <a:off x="0" y="0"/>
+          <a:ext cx="0" cy="0"/>
+          <a:chOff x="0" y="0"/>
+          <a:chExt cx="0" cy="0"/>
+        </a:xfrm>
+      </p:grpSpPr>
+      <p:sp>
+        <p:nvSpPr>
+          <p:cNvPr id="2" name="Title 1"/>
+          <p:cNvSpPr>
+            <a:spLocks noGrp="1"/>
+          </p:cNvSpPr>
+          <p:nvPr>
+            <p:ph type="title"/>
+          </p:nvPr>
+        </p:nvSpPr>
+        <p:spPr/>
+        <p:txBody>
+          <a:bodyPr/>
+          <a:lstStyle/>
+          <a:p>
+            <a:r>
+              <a:rPr lang="en-US" dirty="0" smtClean="0"/>
+              <a:t>Finish</a:t>
+            </a:r>
+            <a:endParaRPr lang="en-US" dirty="0"/>
+          </a:p>
+        </p:txBody>
+      </p:sp>
+      <p:sp>
+        <p:nvSpPr>
+          <p:cNvPr id="3" name="Content Placeholder 2"/>
+          <p:cNvSpPr>
+            <a:spLocks noGrp="1"/>
+          </p:cNvSpPr>
+          <p:nvPr>
+            <p:ph idx="1"/>
+          </p:nvPr>
+        </p:nvSpPr>
+        <p:spPr/>
+        <p:txBody>
+          <a:bodyPr/>
+          <a:lstStyle/>
+          <a:p>
+            <a:pPr algn="ctr">
+              <a:buNone/>
+            </a:pPr>
+            <a:endParaRPr lang="en-US" dirty="0" smtClean="0"/>
+          </a:p>
+          <a:p>
+            <a:pPr algn="ctr">
+              <a:buNone/>
+            </a:pPr>
+            <a:endParaRPr lang="en-US" dirty="0" smtClean="0"/>
+          </a:p>
+          <a:p>
+            <a:pPr algn="ctr">
+              <a:buNone/>
+            </a:pPr>
+            <a:endParaRPr lang="en-US" dirty="0" smtClean="0"/>
+          </a:p>
+          <a:p>
+            <a:pPr algn="ctr">
+              <a:buNone/>
+            </a:pPr>
+            <a:r>
+              <a:rPr lang="en-US" sz="3600" dirty="0" smtClean="0"/>
+              <a:t>Questions?</a:t>
+            </a:r>
+          </a:p>
+        </p:txBody>
+      </p:sp>
+    </p:spTree>
+    <p:extLst>
+      <p:ext uri="{BB962C8B-B14F-4D97-AF65-F5344CB8AC3E}">
+        <p14:creationId xmlns:p14="http://schemas.microsoft.com/office/powerpoint/2010/main" xmlns="" val="2405614274"/>
       </p:ext>
     </p:extLst>
   </p:cSld>
@@ -41395,7 +41760,7 @@
           <a:blip r:embed="rId3">
             <a:extLst>
               <a:ext uri="{28A0092B-C50C-407E-A947-70E740481C1C}">
-                <a14:useLocalDpi xmlns="" xmlns:a14="http://schemas.microsoft.com/office/drawing/2010/main" val="0"/>
+                <a14:useLocalDpi xmlns:a14="http://schemas.microsoft.com/office/drawing/2010/main" xmlns="" val="0"/>
               </a:ext>
             </a:extLst>
           </a:blip>
@@ -41413,7 +41778,7 @@
     </p:spTree>
     <p:extLst>
       <p:ext uri="{BB962C8B-B14F-4D97-AF65-F5344CB8AC3E}">
-        <p14:creationId xmlns="" xmlns:p14="http://schemas.microsoft.com/office/powerpoint/2010/main" val="1402402034"/>
+        <p14:creationId xmlns:p14="http://schemas.microsoft.com/office/powerpoint/2010/main" xmlns="" val="1402402034"/>
       </p:ext>
     </p:extLst>
   </p:cSld>
@@ -41515,7 +41880,7 @@
           <a:blip r:embed="rId2">
             <a:extLst>
               <a:ext uri="{28A0092B-C50C-407E-A947-70E740481C1C}">
-                <a14:useLocalDpi xmlns="" xmlns:a14="http://schemas.microsoft.com/office/drawing/2010/main" val="0"/>
+                <a14:useLocalDpi xmlns:a14="http://schemas.microsoft.com/office/drawing/2010/main" xmlns="" val="0"/>
               </a:ext>
             </a:extLst>
           </a:blip>
@@ -41533,7 +41898,7 @@
     </p:spTree>
     <p:extLst>
       <p:ext uri="{BB962C8B-B14F-4D97-AF65-F5344CB8AC3E}">
-        <p14:creationId xmlns="" xmlns:p14="http://schemas.microsoft.com/office/powerpoint/2010/main" val="3512345511"/>
+        <p14:creationId xmlns:p14="http://schemas.microsoft.com/office/powerpoint/2010/main" xmlns="" val="3512345511"/>
       </p:ext>
     </p:extLst>
   </p:cSld>
@@ -42053,7 +42418,7 @@
           <a:blip r:embed="rId2">
             <a:extLst>
               <a:ext uri="{28A0092B-C50C-407E-A947-70E740481C1C}">
-                <a14:useLocalDpi xmlns="" xmlns:a14="http://schemas.microsoft.com/office/drawing/2010/main" val="0"/>
+                <a14:useLocalDpi xmlns:a14="http://schemas.microsoft.com/office/drawing/2010/main" xmlns="" val="0"/>
               </a:ext>
             </a:extLst>
           </a:blip>
@@ -42083,7 +42448,7 @@
           <a:blip r:embed="rId3">
             <a:extLst>
               <a:ext uri="{28A0092B-C50C-407E-A947-70E740481C1C}">
-                <a14:useLocalDpi xmlns="" xmlns:a14="http://schemas.microsoft.com/office/drawing/2010/main" val="0"/>
+                <a14:useLocalDpi xmlns:a14="http://schemas.microsoft.com/office/drawing/2010/main" xmlns="" val="0"/>
               </a:ext>
             </a:extLst>
           </a:blip>
@@ -42104,7 +42469,7 @@
     </p:spTree>
     <p:extLst>
       <p:ext uri="{BB962C8B-B14F-4D97-AF65-F5344CB8AC3E}">
-        <p14:creationId xmlns="" xmlns:p14="http://schemas.microsoft.com/office/powerpoint/2010/main" val="967414170"/>
+        <p14:creationId xmlns:p14="http://schemas.microsoft.com/office/powerpoint/2010/main" xmlns="" val="967414170"/>
       </p:ext>
     </p:extLst>
   </p:cSld>
@@ -42349,7 +42714,7 @@
     </p:spTree>
     <p:extLst>
       <p:ext uri="{BB962C8B-B14F-4D97-AF65-F5344CB8AC3E}">
-        <p14:creationId xmlns="" xmlns:p14="http://schemas.microsoft.com/office/powerpoint/2010/main" val="271337544"/>
+        <p14:creationId xmlns:p14="http://schemas.microsoft.com/office/powerpoint/2010/main" xmlns="" val="271337544"/>
       </p:ext>
     </p:extLst>
   </p:cSld>
@@ -42614,7 +42979,7 @@
     </p:spTree>
     <p:extLst>
       <p:ext uri="{BB962C8B-B14F-4D97-AF65-F5344CB8AC3E}">
-        <p14:creationId xmlns="" xmlns:p14="http://schemas.microsoft.com/office/powerpoint/2010/main" val="1670273936"/>
+        <p14:creationId xmlns:p14="http://schemas.microsoft.com/office/powerpoint/2010/main" xmlns="" val="1670273936"/>
       </p:ext>
     </p:extLst>
   </p:cSld>
@@ -42716,7 +43081,7 @@
           <a:blip r:embed="rId2">
             <a:extLst>
               <a:ext uri="{28A0092B-C50C-407E-A947-70E740481C1C}">
-                <a14:useLocalDpi xmlns="" xmlns:a14="http://schemas.microsoft.com/office/drawing/2010/main" val="0"/>
+                <a14:useLocalDpi xmlns:a14="http://schemas.microsoft.com/office/drawing/2010/main" xmlns="" val="0"/>
               </a:ext>
             </a:extLst>
           </a:blip>
@@ -42734,7 +43099,7 @@
     </p:spTree>
     <p:extLst>
       <p:ext uri="{BB962C8B-B14F-4D97-AF65-F5344CB8AC3E}">
-        <p14:creationId xmlns="" xmlns:p14="http://schemas.microsoft.com/office/powerpoint/2010/main" val="3267181760"/>
+        <p14:creationId xmlns:p14="http://schemas.microsoft.com/office/powerpoint/2010/main" xmlns="" val="3267181760"/>
       </p:ext>
     </p:extLst>
   </p:cSld>
@@ -43008,7 +43373,7 @@
   <a:extraClrSchemeLst/>
   <a:extLst>
     <a:ext uri="{05A4C25C-085E-4340-85A3-A5531E510DB2}">
-      <thm15:themeFamily xmlns="" xmlns:thm15="http://schemas.microsoft.com/office/thememl/2012/main" name="Ion Boardroom" id="{FC33163D-4339-46B1-8EED-24C834239D99}" vid="{BF1C4790-FE3C-4020-8CA7-00621DA7BBBC}"/>
+      <thm15:themeFamily xmlns:thm15="http://schemas.microsoft.com/office/thememl/2012/main" xmlns="" name="Ion Boardroom" id="{FC33163D-4339-46B1-8EED-24C834239D99}" vid="{BF1C4790-FE3C-4020-8CA7-00621DA7BBBC}"/>
     </a:ext>
   </a:extLst>
 </a:theme>
@@ -43269,7 +43634,7 @@
   <a:extraClrSchemeLst/>
   <a:extLst>
     <a:ext uri="{05A4C25C-085E-4340-85A3-A5531E510DB2}">
-      <thm15:themeFamily xmlns="" xmlns:thm15="http://schemas.microsoft.com/office/thememl/2012/main" name="Office Theme" id="{62F939B6-93AF-4DB8-9C6B-D6C7DFDC589F}" vid="{4A3C46E8-61CC-4603-A589-7422A47A8E4A}"/>
+      <thm15:themeFamily xmlns:thm15="http://schemas.microsoft.com/office/thememl/2012/main" xmlns="" name="Office Theme" id="{62F939B6-93AF-4DB8-9C6B-D6C7DFDC589F}" vid="{4A3C46E8-61CC-4603-A589-7422A47A8E4A}"/>
     </a:ext>
   </a:extLst>
 </a:theme>
